--- a/2024年/周报20240412.pptx
+++ b/2024年/周报20240412.pptx
@@ -10,9 +10,9 @@
   </p:notesMasterIdLst>
   <p:sldIdLst>
     <p:sldId id="256" r:id="rId4"/>
-    <p:sldId id="298" r:id="rId5"/>
-    <p:sldId id="294" r:id="rId7"/>
-    <p:sldId id="301" r:id="rId8"/>
+    <p:sldId id="294" r:id="rId5"/>
+    <p:sldId id="301" r:id="rId7"/>
+    <p:sldId id="298" r:id="rId8"/>
   </p:sldIdLst>
   <p:sldSz cx="21673820" cy="12192000"/>
   <p:notesSz cx="6858000" cy="9144000"/>
@@ -6391,9 +6391,9 @@
           <p:grpSpPr>
             <a:xfrm>
               <a:off x="4903310" y="4125280"/>
-              <a:ext cx="12042498" cy="2494636"/>
+              <a:ext cx="12042498" cy="2454967"/>
               <a:chOff x="3472415" y="4258281"/>
-              <a:chExt cx="16356291" cy="1893182"/>
+              <a:chExt cx="16356291" cy="1863077"/>
             </a:xfrm>
           </p:grpSpPr>
           <p:sp>
@@ -6434,99 +6434,9 @@
                     </a:solidFill>
                     <a:latin typeface="微软雅黑" panose="020B0503020204020204" pitchFamily="34" charset="-122"/>
                     <a:ea typeface="微软雅黑" panose="020B0503020204020204" pitchFamily="34" charset="-122"/>
+                    <a:sym typeface="+mn-ea"/>
                   </a:rPr>
                   <a:t>1.</a:t>
-                </a:r>
-                <a:r>
-                  <a:rPr lang="zh-CN" altLang="en-US" sz="4000" b="1" dirty="0">
-                    <a:solidFill>
-                      <a:srgbClr val="002060"/>
-                    </a:solidFill>
-                    <a:latin typeface="微软雅黑" panose="020B0503020204020204" pitchFamily="34" charset="-122"/>
-                    <a:ea typeface="微软雅黑" panose="020B0503020204020204" pitchFamily="34" charset="-122"/>
-                  </a:rPr>
-                  <a:t>软著申请</a:t>
-                </a:r>
-                <a:r>
-                  <a:rPr lang="en-US" altLang="zh-CN" sz="4000" b="1" dirty="0">
-                    <a:solidFill>
-                      <a:srgbClr val="002060"/>
-                    </a:solidFill>
-                    <a:latin typeface="微软雅黑" panose="020B0503020204020204" pitchFamily="34" charset="-122"/>
-                    <a:ea typeface="微软雅黑" panose="020B0503020204020204" pitchFamily="34" charset="-122"/>
-                  </a:rPr>
-                  <a:t>——</a:t>
-                </a:r>
-                <a:r>
-                  <a:rPr lang="zh-CN" altLang="en-US" sz="4000" b="1" dirty="0">
-                    <a:solidFill>
-                      <a:srgbClr val="002060"/>
-                    </a:solidFill>
-                    <a:latin typeface="微软雅黑" panose="020B0503020204020204" pitchFamily="34" charset="-122"/>
-                    <a:ea typeface="微软雅黑" panose="020B0503020204020204" pitchFamily="34" charset="-122"/>
-                  </a:rPr>
-                  <a:t>完成软著登记工作及材料</a:t>
-                </a:r>
-                <a:r>
-                  <a:rPr lang="zh-CN" altLang="en-US" sz="4000" b="1" dirty="0">
-                    <a:solidFill>
-                      <a:srgbClr val="002060"/>
-                    </a:solidFill>
-                    <a:latin typeface="微软雅黑" panose="020B0503020204020204" pitchFamily="34" charset="-122"/>
-                    <a:ea typeface="微软雅黑" panose="020B0503020204020204" pitchFamily="34" charset="-122"/>
-                  </a:rPr>
-                  <a:t>提交</a:t>
-                </a:r>
-                <a:endParaRPr lang="zh-CN" altLang="en-US" sz="4000" b="1" dirty="0">
-                  <a:solidFill>
-                    <a:srgbClr val="002060"/>
-                  </a:solidFill>
-                  <a:latin typeface="微软雅黑" panose="020B0503020204020204" pitchFamily="34" charset="-122"/>
-                  <a:ea typeface="微软雅黑" panose="020B0503020204020204" pitchFamily="34" charset="-122"/>
-                </a:endParaRPr>
-              </a:p>
-            </p:txBody>
-          </p:sp>
-          <p:sp>
-            <p:nvSpPr>
-              <p:cNvPr id="2" name="矩形 1"/>
-              <p:cNvSpPr/>
-              <p:nvPr/>
-            </p:nvSpPr>
-            <p:spPr>
-              <a:xfrm>
-                <a:off x="3472415" y="5444767"/>
-                <a:ext cx="16356291" cy="706696"/>
-              </a:xfrm>
-              <a:prstGeom prst="rect">
-                <a:avLst/>
-              </a:prstGeom>
-            </p:spPr>
-            <p:txBody>
-              <a:bodyPr wrap="square">
-                <a:spAutoFit/>
-              </a:bodyPr>
-              <a:lstStyle/>
-              <a:p>
-                <a:pPr marL="508000" indent="-508000" defTabSz="1625600">
-                  <a:lnSpc>
-                    <a:spcPct val="130000"/>
-                  </a:lnSpc>
-                  <a:spcAft>
-                    <a:spcPts val="1065"/>
-                  </a:spcAft>
-                  <a:buFont typeface="Wingdings" panose="05000000000000000000" pitchFamily="2" charset="2"/>
-                  <a:buChar char="Ø"/>
-                </a:pPr>
-                <a:r>
-                  <a:rPr lang="en-US" altLang="zh-CN" sz="4000" b="1" dirty="0">
-                    <a:solidFill>
-                      <a:srgbClr val="002060"/>
-                    </a:solidFill>
-                    <a:latin typeface="微软雅黑" panose="020B0503020204020204" pitchFamily="34" charset="-122"/>
-                    <a:ea typeface="微软雅黑" panose="020B0503020204020204" pitchFamily="34" charset="-122"/>
-                  </a:rPr>
-                  <a:t>2.</a:t>
                 </a:r>
                 <a:r>
                   <a:rPr lang="zh-CN" altLang="en-US" sz="4000" b="1" dirty="0">
@@ -6560,6 +6470,91 @@
                     <a:sym typeface="+mn-ea"/>
                   </a:rPr>
                   <a:t>锂电池充放电路模块设计</a:t>
+                </a:r>
+                <a:endParaRPr lang="zh-CN" altLang="en-US" sz="4000" b="1" dirty="0">
+                  <a:solidFill>
+                    <a:srgbClr val="002060"/>
+                  </a:solidFill>
+                  <a:latin typeface="微软雅黑" panose="020B0503020204020204" pitchFamily="34" charset="-122"/>
+                  <a:ea typeface="微软雅黑" panose="020B0503020204020204" pitchFamily="34" charset="-122"/>
+                </a:endParaRPr>
+              </a:p>
+            </p:txBody>
+          </p:sp>
+          <p:sp>
+            <p:nvSpPr>
+              <p:cNvPr id="2" name="矩形 1"/>
+              <p:cNvSpPr/>
+              <p:nvPr/>
+            </p:nvSpPr>
+            <p:spPr>
+              <a:xfrm>
+                <a:off x="3472415" y="5444767"/>
+                <a:ext cx="16356291" cy="676591"/>
+              </a:xfrm>
+              <a:prstGeom prst="rect">
+                <a:avLst/>
+              </a:prstGeom>
+            </p:spPr>
+            <p:txBody>
+              <a:bodyPr wrap="square">
+                <a:spAutoFit/>
+              </a:bodyPr>
+              <a:lstStyle/>
+              <a:p>
+                <a:pPr marL="508000" indent="-508000" defTabSz="1625600">
+                  <a:lnSpc>
+                    <a:spcPct val="130000"/>
+                  </a:lnSpc>
+                  <a:spcAft>
+                    <a:spcPts val="1065"/>
+                  </a:spcAft>
+                  <a:buFont typeface="Wingdings" panose="05000000000000000000" pitchFamily="2" charset="2"/>
+                  <a:buChar char="Ø"/>
+                </a:pPr>
+                <a:r>
+                  <a:rPr lang="en-US" altLang="zh-CN" sz="4000" b="1" dirty="0">
+                    <a:solidFill>
+                      <a:srgbClr val="002060"/>
+                    </a:solidFill>
+                    <a:latin typeface="微软雅黑" panose="020B0503020204020204" pitchFamily="34" charset="-122"/>
+                    <a:ea typeface="微软雅黑" panose="020B0503020204020204" pitchFamily="34" charset="-122"/>
+                    <a:sym typeface="+mn-ea"/>
+                  </a:rPr>
+                  <a:t>2.</a:t>
+                </a:r>
+                <a:r>
+                  <a:rPr lang="zh-CN" altLang="en-US" sz="4000" b="1" dirty="0">
+                    <a:solidFill>
+                      <a:srgbClr val="002060"/>
+                    </a:solidFill>
+                    <a:latin typeface="微软雅黑" panose="020B0503020204020204" pitchFamily="34" charset="-122"/>
+                    <a:ea typeface="微软雅黑" panose="020B0503020204020204" pitchFamily="34" charset="-122"/>
+                    <a:sym typeface="+mn-ea"/>
+                  </a:rPr>
+                  <a:t>发票整理</a:t>
+                </a:r>
+                <a:r>
+                  <a:rPr lang="en-US" altLang="zh-CN" sz="4000" b="1" dirty="0">
+                    <a:solidFill>
+                      <a:srgbClr val="002060"/>
+                    </a:solidFill>
+                    <a:latin typeface="微软雅黑" panose="020B0503020204020204" pitchFamily="34" charset="-122"/>
+                    <a:ea typeface="微软雅黑" panose="020B0503020204020204" pitchFamily="34" charset="-122"/>
+                    <a:sym typeface="+mn-ea"/>
+                  </a:rPr>
+                  <a:t>——</a:t>
+                </a:r>
+                <a:r>
+                  <a:rPr lang="zh-CN" altLang="en-US" sz="4000" b="1" dirty="0">
+                    <a:solidFill>
+                      <a:srgbClr val="002060"/>
+                    </a:solidFill>
+                    <a:latin typeface="微软雅黑" panose="020B0503020204020204" pitchFamily="34" charset="-122"/>
+                    <a:ea typeface="微软雅黑" panose="020B0503020204020204" pitchFamily="34" charset="-122"/>
+                    <a:sym typeface="+mn-ea"/>
+                  </a:rPr>
+                  <a:t>整理了近几个月的发票</a:t>
                 </a:r>
                 <a:endParaRPr lang="zh-CN" altLang="en-US" sz="4000" b="1" dirty="0">
                   <a:solidFill>
@@ -6622,7 +6617,7 @@
                   <a:ea typeface="微软雅黑" panose="020B0503020204020204" pitchFamily="34" charset="-122"/>
                   <a:sym typeface="+mn-ea"/>
                 </a:rPr>
-                <a:t>发票整理</a:t>
+                <a:t>学术会议</a:t>
               </a:r>
               <a:r>
                 <a:rPr lang="en-US" altLang="zh-CN" sz="4000" b="1" dirty="0">
@@ -6644,7 +6639,7 @@
                   <a:ea typeface="微软雅黑" panose="020B0503020204020204" pitchFamily="34" charset="-122"/>
                   <a:sym typeface="+mn-ea"/>
                 </a:rPr>
-                <a:t>整理了近几个月的</a:t>
+                <a:t>参加小组组会，学习前沿</a:t>
               </a:r>
               <a:r>
                 <a:rPr lang="zh-CN" altLang="en-US" sz="4000" b="1" dirty="0">
@@ -6655,7 +6650,7 @@
                   <a:ea typeface="微软雅黑" panose="020B0503020204020204" pitchFamily="34" charset="-122"/>
                   <a:sym typeface="+mn-ea"/>
                 </a:rPr>
-                <a:t>发票</a:t>
+                <a:t>文献</a:t>
               </a:r>
               <a:endParaRPr lang="zh-CN" altLang="en-US" sz="4000" b="1" dirty="0">
                 <a:solidFill>
@@ -6699,7 +6694,7 @@
       </p:grpSpPr>
       <p:sp>
         <p:nvSpPr>
-          <p:cNvPr id="15" name="矩形 14"/>
+          <p:cNvPr id="2" name="矩形 1"/>
           <p:cNvSpPr/>
           <p:nvPr/>
         </p:nvSpPr>
@@ -6738,119 +6733,6 @@
                 <a:sym typeface="+mn-ea"/>
               </a:rPr>
               <a:t>1.</a:t>
-            </a:r>
-            <a:r>
-              <a:rPr lang="zh-CN" altLang="en-US" sz="4000" b="1" dirty="0">
-                <a:solidFill>
-                  <a:srgbClr val="002060"/>
-                </a:solidFill>
-                <a:latin typeface="微软雅黑" panose="020B0503020204020204" pitchFamily="34" charset="-122"/>
-                <a:ea typeface="微软雅黑" panose="020B0503020204020204" pitchFamily="34" charset="-122"/>
-                <a:sym typeface="+mn-ea"/>
-              </a:rPr>
-              <a:t>软著申请</a:t>
-            </a:r>
-            <a:r>
-              <a:rPr lang="en-US" altLang="zh-CN" sz="4000" b="1" dirty="0">
-                <a:solidFill>
-                  <a:srgbClr val="002060"/>
-                </a:solidFill>
-                <a:latin typeface="微软雅黑" panose="020B0503020204020204" pitchFamily="34" charset="-122"/>
-                <a:ea typeface="微软雅黑" panose="020B0503020204020204" pitchFamily="34" charset="-122"/>
-                <a:sym typeface="+mn-ea"/>
-              </a:rPr>
-              <a:t>——</a:t>
-            </a:r>
-            <a:r>
-              <a:rPr lang="zh-CN" altLang="en-US" sz="4000" b="1" dirty="0">
-                <a:solidFill>
-                  <a:srgbClr val="002060"/>
-                </a:solidFill>
-                <a:latin typeface="微软雅黑" panose="020B0503020204020204" pitchFamily="34" charset="-122"/>
-                <a:ea typeface="微软雅黑" panose="020B0503020204020204" pitchFamily="34" charset="-122"/>
-                <a:sym typeface="+mn-ea"/>
-              </a:rPr>
-              <a:t>完成软著登记工作及材料提交</a:t>
-            </a:r>
-            <a:endParaRPr lang="zh-CN" altLang="en-US" sz="4000" b="1" dirty="0">
-              <a:solidFill>
-                <a:srgbClr val="002060"/>
-              </a:solidFill>
-              <a:latin typeface="微软雅黑" panose="020B0503020204020204" pitchFamily="34" charset="-122"/>
-              <a:ea typeface="微软雅黑" panose="020B0503020204020204" pitchFamily="34" charset="-122"/>
-            </a:endParaRPr>
-          </a:p>
-        </p:txBody>
-      </p:sp>
-    </p:spTree>
-    <p:custDataLst>
-      <p:tags r:id="rId1"/>
-    </p:custDataLst>
-  </p:cSld>
-  <p:clrMapOvr>
-    <a:masterClrMapping/>
-  </p:clrMapOvr>
-</p:sld>
-</file>
-
-<file path=ppt/slides/slide3.xml><?xml version="1.0" encoding="utf-8"?>
-<p:sld xmlns:a="http://schemas.openxmlformats.org/drawingml/2006/main" xmlns:r="http://schemas.openxmlformats.org/officeDocument/2006/relationships" xmlns:p="http://schemas.openxmlformats.org/presentationml/2006/main">
-  <p:cSld>
-    <p:spTree>
-      <p:nvGrpSpPr>
-        <p:cNvPr id="1" name=""/>
-        <p:cNvGrpSpPr/>
-        <p:nvPr/>
-      </p:nvGrpSpPr>
-      <p:grpSpPr>
-        <a:xfrm>
-          <a:off x="0" y="0"/>
-          <a:ext cx="0" cy="0"/>
-          <a:chOff x="0" y="0"/>
-          <a:chExt cx="0" cy="0"/>
-        </a:xfrm>
-      </p:grpSpPr>
-      <p:sp>
-        <p:nvSpPr>
-          <p:cNvPr id="2" name="矩形 1"/>
-          <p:cNvSpPr/>
-          <p:nvPr/>
-        </p:nvSpPr>
-        <p:spPr>
-          <a:xfrm>
-            <a:off x="373163" y="257824"/>
-            <a:ext cx="13473463" cy="891540"/>
-          </a:xfrm>
-          <a:prstGeom prst="rect">
-            <a:avLst/>
-          </a:prstGeom>
-        </p:spPr>
-        <p:txBody>
-          <a:bodyPr wrap="square">
-            <a:spAutoFit/>
-          </a:bodyPr>
-          <a:lstStyle/>
-          <a:p>
-            <a:pPr marL="508000" indent="-508000" defTabSz="1625600">
-              <a:lnSpc>
-                <a:spcPct val="130000"/>
-              </a:lnSpc>
-              <a:spcAft>
-                <a:spcPts val="1065"/>
-              </a:spcAft>
-              <a:buFont typeface="Wingdings" panose="05000000000000000000" pitchFamily="2" charset="2"/>
-              <a:buChar char="Ø"/>
-            </a:pPr>
-            <a:r>
-              <a:rPr lang="en-US" altLang="zh-CN" sz="4000" b="1" dirty="0">
-                <a:solidFill>
-                  <a:srgbClr val="002060"/>
-                </a:solidFill>
-                <a:latin typeface="微软雅黑" panose="020B0503020204020204" pitchFamily="34" charset="-122"/>
-                <a:ea typeface="微软雅黑" panose="020B0503020204020204" pitchFamily="34" charset="-122"/>
-                <a:sym typeface="+mn-ea"/>
-              </a:rPr>
-              <a:t>2.</a:t>
             </a:r>
             <a:r>
               <a:rPr lang="zh-CN" altLang="en-US" sz="4000" b="1" dirty="0">
@@ -7749,7 +7631,7 @@
 </p:sld>
 </file>
 
-<file path=ppt/slides/slide4.xml><?xml version="1.0" encoding="utf-8"?>
+<file path=ppt/slides/slide3.xml><?xml version="1.0" encoding="utf-8"?>
 <p:sld xmlns:a="http://schemas.openxmlformats.org/drawingml/2006/main" xmlns:r="http://schemas.openxmlformats.org/officeDocument/2006/relationships" xmlns:p="http://schemas.openxmlformats.org/presentationml/2006/main">
   <p:cSld>
     <p:spTree>
@@ -7806,7 +7688,7 @@
                 <a:ea typeface="微软雅黑" panose="020B0503020204020204" pitchFamily="34" charset="-122"/>
                 <a:sym typeface="+mn-ea"/>
               </a:rPr>
-              <a:t>3.</a:t>
+              <a:t>2.</a:t>
             </a:r>
             <a:r>
               <a:rPr lang="zh-CN" altLang="en-US" sz="4000" b="1" dirty="0">
@@ -7987,6 +7869,192 @@
 </p:sld>
 </file>
 
+<file path=ppt/slides/slide4.xml><?xml version="1.0" encoding="utf-8"?>
+<p:sld xmlns:a="http://schemas.openxmlformats.org/drawingml/2006/main" xmlns:r="http://schemas.openxmlformats.org/officeDocument/2006/relationships" xmlns:p="http://schemas.openxmlformats.org/presentationml/2006/main">
+  <p:cSld>
+    <p:spTree>
+      <p:nvGrpSpPr>
+        <p:cNvPr id="1" name=""/>
+        <p:cNvGrpSpPr/>
+        <p:nvPr/>
+      </p:nvGrpSpPr>
+      <p:grpSpPr>
+        <a:xfrm>
+          <a:off x="0" y="0"/>
+          <a:ext cx="0" cy="0"/>
+          <a:chOff x="0" y="0"/>
+          <a:chExt cx="0" cy="0"/>
+        </a:xfrm>
+      </p:grpSpPr>
+      <p:sp>
+        <p:nvSpPr>
+          <p:cNvPr id="15" name="矩形 14"/>
+          <p:cNvSpPr/>
+          <p:nvPr/>
+        </p:nvSpPr>
+        <p:spPr>
+          <a:xfrm>
+            <a:off x="373163" y="257824"/>
+            <a:ext cx="13473463" cy="891540"/>
+          </a:xfrm>
+          <a:prstGeom prst="rect">
+            <a:avLst/>
+          </a:prstGeom>
+        </p:spPr>
+        <p:txBody>
+          <a:bodyPr wrap="square">
+            <a:spAutoFit/>
+          </a:bodyPr>
+          <a:lstStyle/>
+          <a:p>
+            <a:pPr marL="508000" indent="-508000" defTabSz="1625600">
+              <a:lnSpc>
+                <a:spcPct val="130000"/>
+              </a:lnSpc>
+              <a:spcAft>
+                <a:spcPts val="1065"/>
+              </a:spcAft>
+              <a:buFont typeface="Wingdings" panose="05000000000000000000" pitchFamily="2" charset="2"/>
+              <a:buChar char="Ø"/>
+            </a:pPr>
+            <a:r>
+              <a:rPr lang="en-US" altLang="zh-CN" sz="4000" b="1" dirty="0">
+                <a:solidFill>
+                  <a:srgbClr val="002060"/>
+                </a:solidFill>
+                <a:latin typeface="微软雅黑" panose="020B0503020204020204" pitchFamily="34" charset="-122"/>
+                <a:ea typeface="微软雅黑" panose="020B0503020204020204" pitchFamily="34" charset="-122"/>
+                <a:sym typeface="+mn-ea"/>
+              </a:rPr>
+              <a:t>3.</a:t>
+            </a:r>
+            <a:r>
+              <a:rPr lang="zh-CN" altLang="en-US" sz="4000" b="1" dirty="0">
+                <a:solidFill>
+                  <a:srgbClr val="002060"/>
+                </a:solidFill>
+                <a:latin typeface="微软雅黑" panose="020B0503020204020204" pitchFamily="34" charset="-122"/>
+                <a:ea typeface="微软雅黑" panose="020B0503020204020204" pitchFamily="34" charset="-122"/>
+                <a:sym typeface="+mn-ea"/>
+              </a:rPr>
+              <a:t>学术会议</a:t>
+            </a:r>
+            <a:r>
+              <a:rPr lang="en-US" altLang="zh-CN" sz="4000" b="1" dirty="0">
+                <a:solidFill>
+                  <a:srgbClr val="002060"/>
+                </a:solidFill>
+                <a:latin typeface="微软雅黑" panose="020B0503020204020204" pitchFamily="34" charset="-122"/>
+                <a:ea typeface="微软雅黑" panose="020B0503020204020204" pitchFamily="34" charset="-122"/>
+                <a:sym typeface="+mn-ea"/>
+              </a:rPr>
+              <a:t>——</a:t>
+            </a:r>
+            <a:r>
+              <a:rPr lang="zh-CN" altLang="en-US" sz="4000" b="1" dirty="0">
+                <a:solidFill>
+                  <a:srgbClr val="002060"/>
+                </a:solidFill>
+                <a:latin typeface="微软雅黑" panose="020B0503020204020204" pitchFamily="34" charset="-122"/>
+                <a:ea typeface="微软雅黑" panose="020B0503020204020204" pitchFamily="34" charset="-122"/>
+                <a:sym typeface="+mn-ea"/>
+              </a:rPr>
+              <a:t>参加小组组会，学习前沿文献</a:t>
+            </a:r>
+            <a:endParaRPr lang="zh-CN" altLang="en-US" sz="4000" b="1" dirty="0">
+              <a:solidFill>
+                <a:srgbClr val="002060"/>
+              </a:solidFill>
+              <a:latin typeface="微软雅黑" panose="020B0503020204020204" pitchFamily="34" charset="-122"/>
+              <a:ea typeface="微软雅黑" panose="020B0503020204020204" pitchFamily="34" charset="-122"/>
+            </a:endParaRPr>
+          </a:p>
+        </p:txBody>
+      </p:sp>
+      <p:pic>
+        <p:nvPicPr>
+          <p:cNvPr id="3" name="图片 2" descr="微信图片_20240412100410"/>
+          <p:cNvPicPr>
+            <a:picLocks noChangeAspect="1"/>
+          </p:cNvPicPr>
+          <p:nvPr/>
+        </p:nvPicPr>
+        <p:blipFill>
+          <a:blip r:embed="rId1"/>
+          <a:stretch>
+            <a:fillRect/>
+          </a:stretch>
+        </p:blipFill>
+        <p:spPr>
+          <a:xfrm>
+            <a:off x="769620" y="1392555"/>
+            <a:ext cx="13813155" cy="10355580"/>
+          </a:xfrm>
+          <a:prstGeom prst="rect">
+            <a:avLst/>
+          </a:prstGeom>
+        </p:spPr>
+      </p:pic>
+      <p:sp>
+        <p:nvSpPr>
+          <p:cNvPr id="14" name="文本框 13"/>
+          <p:cNvSpPr txBox="1"/>
+          <p:nvPr/>
+        </p:nvSpPr>
+        <p:spPr>
+          <a:xfrm>
+            <a:off x="16094710" y="3792220"/>
+            <a:ext cx="4591050" cy="5556250"/>
+          </a:xfrm>
+          <a:prstGeom prst="rect">
+            <a:avLst/>
+          </a:prstGeom>
+          <a:noFill/>
+        </p:spPr>
+        <p:txBody>
+          <a:bodyPr wrap="square">
+            <a:noAutofit/>
+          </a:bodyPr>
+          <a:p>
+            <a:r>
+              <a:rPr lang="en-US" altLang="zh-CN" sz="5400" b="1" dirty="0">
+                <a:latin typeface="仿宋" panose="02010609060101010101" charset="-122"/>
+                <a:ea typeface="仿宋" panose="02010609060101010101" charset="-122"/>
+              </a:rPr>
+              <a:t>  </a:t>
+            </a:r>
+            <a:r>
+              <a:rPr lang="zh-CN" altLang="en-US" sz="5400" b="1" dirty="0">
+                <a:latin typeface="仿宋" panose="02010609060101010101" charset="-122"/>
+                <a:ea typeface="仿宋" panose="02010609060101010101" charset="-122"/>
+              </a:rPr>
+              <a:t>参加生物传感器小组组会，学习了细胞检测的相关文献，促进对本领域的</a:t>
+            </a:r>
+            <a:r>
+              <a:rPr lang="zh-CN" altLang="en-US" sz="5400" b="1" dirty="0">
+                <a:latin typeface="仿宋" panose="02010609060101010101" charset="-122"/>
+                <a:ea typeface="仿宋" panose="02010609060101010101" charset="-122"/>
+              </a:rPr>
+              <a:t>理解。</a:t>
+            </a:r>
+            <a:endParaRPr lang="zh-CN" altLang="en-US" sz="5400" b="1" dirty="0">
+              <a:latin typeface="仿宋" panose="02010609060101010101" charset="-122"/>
+              <a:ea typeface="仿宋" panose="02010609060101010101" charset="-122"/>
+            </a:endParaRPr>
+          </a:p>
+        </p:txBody>
+      </p:sp>
+    </p:spTree>
+    <p:custDataLst>
+      <p:tags r:id="rId2"/>
+    </p:custDataLst>
+  </p:cSld>
+  <p:clrMapOvr>
+    <a:masterClrMapping/>
+  </p:clrMapOvr>
+</p:sld>
+</file>
+
 <file path=ppt/tags/tag1.xml><?xml version="1.0" encoding="utf-8"?>
 <p:tagLst xmlns:p="http://schemas.openxmlformats.org/presentationml/2006/main">
   <p:tag name="KSO_WM_TEMPLATE_CATEGORY" val="preset"/>
@@ -8049,7 +8117,7 @@
 
 <file path=ppt/tags/tag5.xml><?xml version="1.0" encoding="utf-8"?>
 <p:tagLst xmlns:p="http://schemas.openxmlformats.org/presentationml/2006/main">
-  <p:tag name="commondata" val="eyJoZGlkIjoiNjE5MjU3NWUyOWRhOGEyMzVlYjdhNzRhNTZhZGVkZmMifQ=="/>
+  <p:tag name="commondata" val="eyJoZGlkIjoiOWRhYTQ4MWJhYTY5NDkxMzUyNjRmODllNWQxOTAzMTUifQ=="/>
 </p:tagLst>
 </file>
 
